--- a/Project Deux.pptx
+++ b/Project Deux.pptx
@@ -10,10 +10,11 @@
     <p:sldId id="260" r:id="rId4"/>
     <p:sldId id="269" r:id="rId5"/>
     <p:sldId id="263" r:id="rId6"/>
-    <p:sldId id="262" r:id="rId7"/>
-    <p:sldId id="261" r:id="rId8"/>
-    <p:sldId id="265" r:id="rId9"/>
-    <p:sldId id="267" r:id="rId10"/>
+    <p:sldId id="270" r:id="rId7"/>
+    <p:sldId id="262" r:id="rId8"/>
+    <p:sldId id="261" r:id="rId9"/>
+    <p:sldId id="265" r:id="rId10"/>
+    <p:sldId id="267" r:id="rId11"/>
   </p:sldIdLst>
   <p:sldSz cx="9144000" cy="6858000" type="screen4x3"/>
   <p:notesSz cx="6858000" cy="9144000"/>
@@ -251,7 +252,7 @@
           <a:p>
             <a:fld id="{D2CD220E-7824-4F92-ACCA-405148BBF3E2}" type="datetimeFigureOut">
               <a:rPr lang="en-SG" smtClean="0"/>
-              <a:t>27/10/2016</a:t>
+              <a:t>28/10/2016</a:t>
             </a:fld>
             <a:endParaRPr lang="en-SG"/>
           </a:p>
@@ -421,7 +422,7 @@
           <a:p>
             <a:fld id="{D2CD220E-7824-4F92-ACCA-405148BBF3E2}" type="datetimeFigureOut">
               <a:rPr lang="en-SG" smtClean="0"/>
-              <a:t>27/10/2016</a:t>
+              <a:t>28/10/2016</a:t>
             </a:fld>
             <a:endParaRPr lang="en-SG"/>
           </a:p>
@@ -601,7 +602,7 @@
           <a:p>
             <a:fld id="{D2CD220E-7824-4F92-ACCA-405148BBF3E2}" type="datetimeFigureOut">
               <a:rPr lang="en-SG" smtClean="0"/>
-              <a:t>27/10/2016</a:t>
+              <a:t>28/10/2016</a:t>
             </a:fld>
             <a:endParaRPr lang="en-SG"/>
           </a:p>
@@ -771,7 +772,7 @@
           <a:p>
             <a:fld id="{D2CD220E-7824-4F92-ACCA-405148BBF3E2}" type="datetimeFigureOut">
               <a:rPr lang="en-SG" smtClean="0"/>
-              <a:t>27/10/2016</a:t>
+              <a:t>28/10/2016</a:t>
             </a:fld>
             <a:endParaRPr lang="en-SG"/>
           </a:p>
@@ -1015,7 +1016,7 @@
           <a:p>
             <a:fld id="{D2CD220E-7824-4F92-ACCA-405148BBF3E2}" type="datetimeFigureOut">
               <a:rPr lang="en-SG" smtClean="0"/>
-              <a:t>27/10/2016</a:t>
+              <a:t>28/10/2016</a:t>
             </a:fld>
             <a:endParaRPr lang="en-SG"/>
           </a:p>
@@ -1247,7 +1248,7 @@
           <a:p>
             <a:fld id="{D2CD220E-7824-4F92-ACCA-405148BBF3E2}" type="datetimeFigureOut">
               <a:rPr lang="en-SG" smtClean="0"/>
-              <a:t>27/10/2016</a:t>
+              <a:t>28/10/2016</a:t>
             </a:fld>
             <a:endParaRPr lang="en-SG"/>
           </a:p>
@@ -1614,7 +1615,7 @@
           <a:p>
             <a:fld id="{D2CD220E-7824-4F92-ACCA-405148BBF3E2}" type="datetimeFigureOut">
               <a:rPr lang="en-SG" smtClean="0"/>
-              <a:t>27/10/2016</a:t>
+              <a:t>28/10/2016</a:t>
             </a:fld>
             <a:endParaRPr lang="en-SG"/>
           </a:p>
@@ -1732,7 +1733,7 @@
           <a:p>
             <a:fld id="{D2CD220E-7824-4F92-ACCA-405148BBF3E2}" type="datetimeFigureOut">
               <a:rPr lang="en-SG" smtClean="0"/>
-              <a:t>27/10/2016</a:t>
+              <a:t>28/10/2016</a:t>
             </a:fld>
             <a:endParaRPr lang="en-SG"/>
           </a:p>
@@ -1827,7 +1828,7 @@
           <a:p>
             <a:fld id="{D2CD220E-7824-4F92-ACCA-405148BBF3E2}" type="datetimeFigureOut">
               <a:rPr lang="en-SG" smtClean="0"/>
-              <a:t>27/10/2016</a:t>
+              <a:t>28/10/2016</a:t>
             </a:fld>
             <a:endParaRPr lang="en-SG"/>
           </a:p>
@@ -2104,7 +2105,7 @@
           <a:p>
             <a:fld id="{D2CD220E-7824-4F92-ACCA-405148BBF3E2}" type="datetimeFigureOut">
               <a:rPr lang="en-SG" smtClean="0"/>
-              <a:t>27/10/2016</a:t>
+              <a:t>28/10/2016</a:t>
             </a:fld>
             <a:endParaRPr lang="en-SG"/>
           </a:p>
@@ -2361,7 +2362,7 @@
           <a:p>
             <a:fld id="{D2CD220E-7824-4F92-ACCA-405148BBF3E2}" type="datetimeFigureOut">
               <a:rPr lang="en-SG" smtClean="0"/>
-              <a:t>27/10/2016</a:t>
+              <a:t>28/10/2016</a:t>
             </a:fld>
             <a:endParaRPr lang="en-SG"/>
           </a:p>
@@ -2574,7 +2575,7 @@
           <a:p>
             <a:fld id="{D2CD220E-7824-4F92-ACCA-405148BBF3E2}" type="datetimeFigureOut">
               <a:rPr lang="en-SG" smtClean="0"/>
-              <a:t>27/10/2016</a:t>
+              <a:t>28/10/2016</a:t>
             </a:fld>
             <a:endParaRPr lang="en-SG"/>
           </a:p>
@@ -3017,8 +3018,16 @@
           <a:lstStyle/>
           <a:p>
             <a:r>
-              <a:rPr lang="en-SG" b="1" dirty="0"/>
-              <a:t>Project Two</a:t>
+              <a:rPr lang="en-SG" b="1" dirty="0">
+                <a:effectLst>
+                  <a:outerShdw blurRad="38100" dist="38100" dir="2700000" algn="tl">
+                    <a:srgbClr val="000000">
+                      <a:alpha val="43137"/>
+                    </a:srgbClr>
+                  </a:outerShdw>
+                </a:effectLst>
+              </a:rPr>
+              <a:t>Project Deux</a:t>
             </a:r>
           </a:p>
         </p:txBody>
@@ -3053,15 +3062,7 @@
           <a:p>
             <a:r>
               <a:rPr lang="en-SG" dirty="0"/>
-              <a:t>Shamim </a:t>
-            </a:r>
-            <a:r>
-              <a:rPr lang="en-SG" dirty="0" err="1"/>
-              <a:t>Munnawar</a:t>
-            </a:r>
-            <a:r>
-              <a:rPr lang="en-SG" dirty="0"/>
-              <a:t> Bhagat</a:t>
+              <a:t>Shamim Bhagat</a:t>
             </a:r>
           </a:p>
           <a:p>
@@ -3076,6 +3077,124 @@
     <p:extLst>
       <p:ext uri="{BB962C8B-B14F-4D97-AF65-F5344CB8AC3E}">
         <p14:creationId xmlns:p14="http://schemas.microsoft.com/office/powerpoint/2010/main" val="29210657"/>
+      </p:ext>
+    </p:extLst>
+  </p:cSld>
+  <p:clrMapOvr>
+    <a:masterClrMapping/>
+  </p:clrMapOvr>
+</p:sld>
+</file>
+
+<file path=ppt/slides/slide10.xml><?xml version="1.0" encoding="utf-8"?>
+<p:sld xmlns:a="http://schemas.openxmlformats.org/drawingml/2006/main" xmlns:r="http://schemas.openxmlformats.org/officeDocument/2006/relationships" xmlns:p="http://schemas.openxmlformats.org/presentationml/2006/main">
+  <p:cSld>
+    <p:bg>
+      <p:bgPr>
+        <a:blipFill dpi="0" rotWithShape="1">
+          <a:blip r:embed="rId2">
+            <a:alphaModFix amt="58000"/>
+            <a:lum/>
+          </a:blip>
+          <a:srcRect/>
+          <a:stretch>
+            <a:fillRect t="-6000" b="-6000"/>
+          </a:stretch>
+        </a:blipFill>
+        <a:effectLst/>
+      </p:bgPr>
+    </p:bg>
+    <p:spTree>
+      <p:nvGrpSpPr>
+        <p:cNvPr id="1" name=""/>
+        <p:cNvGrpSpPr/>
+        <p:nvPr/>
+      </p:nvGrpSpPr>
+      <p:grpSpPr>
+        <a:xfrm>
+          <a:off x="0" y="0"/>
+          <a:ext cx="0" cy="0"/>
+          <a:chOff x="0" y="0"/>
+          <a:chExt cx="0" cy="0"/>
+        </a:xfrm>
+      </p:grpSpPr>
+      <p:sp>
+        <p:nvSpPr>
+          <p:cNvPr id="3" name="Content Placeholder 2"/>
+          <p:cNvSpPr>
+            <a:spLocks noGrp="1"/>
+          </p:cNvSpPr>
+          <p:nvPr>
+            <p:ph idx="1"/>
+          </p:nvPr>
+        </p:nvSpPr>
+        <p:spPr>
+          <a:xfrm>
+            <a:off x="744397" y="708668"/>
+            <a:ext cx="7886700" cy="5043949"/>
+          </a:xfrm>
+        </p:spPr>
+        <p:txBody>
+          <a:bodyPr/>
+          <a:lstStyle/>
+          <a:p>
+            <a:pPr marL="0" indent="0">
+              <a:buNone/>
+            </a:pPr>
+            <a:endParaRPr lang="en-SG" dirty="0"/>
+          </a:p>
+          <a:p>
+            <a:pPr marL="0" indent="0">
+              <a:buNone/>
+            </a:pPr>
+            <a:endParaRPr lang="en-SG" dirty="0"/>
+          </a:p>
+          <a:p>
+            <a:pPr marL="0" indent="0">
+              <a:buNone/>
+            </a:pPr>
+            <a:endParaRPr lang="en-SG" dirty="0"/>
+          </a:p>
+          <a:p>
+            <a:pPr marL="0" indent="0" algn="ctr">
+              <a:buNone/>
+            </a:pPr>
+            <a:r>
+              <a:rPr lang="en-SG" sz="5400" dirty="0">
+                <a:effectLst>
+                  <a:outerShdw blurRad="38100" dist="38100" dir="2700000" algn="tl">
+                    <a:srgbClr val="000000">
+                      <a:alpha val="43137"/>
+                    </a:srgbClr>
+                  </a:outerShdw>
+                </a:effectLst>
+              </a:rPr>
+              <a:t>THANK YOU</a:t>
+            </a:r>
+          </a:p>
+          <a:p>
+            <a:pPr marL="0" indent="0" algn="ctr">
+              <a:buNone/>
+            </a:pPr>
+            <a:r>
+              <a:rPr lang="en-SG" sz="5400" dirty="0">
+                <a:effectLst>
+                  <a:outerShdw blurRad="38100" dist="38100" dir="2700000" algn="tl">
+                    <a:srgbClr val="000000">
+                      <a:alpha val="43137"/>
+                    </a:srgbClr>
+                  </a:outerShdw>
+                </a:effectLst>
+              </a:rPr>
+              <a:t>&amp; TAKE THE WEATHER WITH YOU</a:t>
+            </a:r>
+          </a:p>
+        </p:txBody>
+      </p:sp>
+    </p:spTree>
+    <p:extLst>
+      <p:ext uri="{BB962C8B-B14F-4D97-AF65-F5344CB8AC3E}">
+        <p14:creationId xmlns:p14="http://schemas.microsoft.com/office/powerpoint/2010/main" val="2267052792"/>
       </p:ext>
     </p:extLst>
   </p:cSld>
@@ -3159,7 +3278,15 @@
           <a:lstStyle/>
           <a:p>
             <a:r>
-              <a:rPr lang="en-SG" b="1" dirty="0"/>
+              <a:rPr lang="en-SG" b="1" dirty="0">
+                <a:effectLst>
+                  <a:outerShdw blurRad="38100" dist="38100" dir="2700000" algn="tl">
+                    <a:srgbClr val="000000">
+                      <a:alpha val="43137"/>
+                    </a:srgbClr>
+                  </a:outerShdw>
+                </a:effectLst>
+              </a:rPr>
               <a:t>About My Project</a:t>
             </a:r>
           </a:p>
@@ -3173,8 +3300,8 @@
         </p:nvSpPr>
         <p:spPr>
           <a:xfrm>
-            <a:off x="1090914" y="737168"/>
-            <a:ext cx="7130005" cy="6640408"/>
+            <a:off x="555585" y="1037338"/>
+            <a:ext cx="8362709" cy="6886629"/>
           </a:xfrm>
           <a:prstGeom prst="rect">
             <a:avLst/>
@@ -3255,8 +3382,20 @@
               <a:buChar char="Ø"/>
             </a:pPr>
             <a:r>
+              <a:rPr lang="en-SG" sz="2000" dirty="0" err="1"/>
+              <a:t>Personalinterest</a:t>
+            </a:r>
+            <a:r>
               <a:rPr lang="en-SG" sz="2000" dirty="0"/>
-              <a:t>Self interest in weather forecasting</a:t>
+              <a:t> in </a:t>
+            </a:r>
+            <a:r>
+              <a:rPr lang="en-SG" dirty="0"/>
+              <a:t>meteorological </a:t>
+            </a:r>
+            <a:r>
+              <a:rPr lang="en-SG" sz="2000" dirty="0"/>
+              <a:t>data forecasting</a:t>
             </a:r>
           </a:p>
           <a:p>
@@ -3275,7 +3414,7 @@
             <a:pPr algn="ctr"/>
             <a:r>
               <a:rPr lang="en-SG" sz="2000" dirty="0"/>
-              <a:t>To reach out to people to post their own weather related stories and observations . </a:t>
+              <a:t>To reach out to people to post their own weather related stories and observations  in order to raise awareness that climate change is NOT a myth invented by conspiracy theorists. </a:t>
             </a:r>
           </a:p>
           <a:p>
@@ -3392,8 +3531,16 @@
           <a:lstStyle/>
           <a:p>
             <a:r>
-              <a:rPr lang="en-SG" b="1" dirty="0"/>
-              <a:t>Blog Features</a:t>
+              <a:rPr lang="en-SG" b="1" dirty="0">
+                <a:effectLst>
+                  <a:outerShdw blurRad="38100" dist="38100" dir="2700000" algn="tl">
+                    <a:srgbClr val="000000">
+                      <a:alpha val="43137"/>
+                    </a:srgbClr>
+                  </a:outerShdw>
+                </a:effectLst>
+              </a:rPr>
+              <a:t>User Stories</a:t>
             </a:r>
           </a:p>
         </p:txBody>
@@ -3432,13 +3579,13 @@
             </a:pPr>
             <a:r>
               <a:rPr lang="en-SG" sz="2000" dirty="0"/>
-              <a:t>Only ONE user can post during one session</a:t>
+              <a:t>Only ONE user can post during any one session</a:t>
             </a:r>
           </a:p>
           <a:p>
             <a:r>
               <a:rPr lang="en-SG" sz="2000" dirty="0"/>
-              <a:t>2. Users can sign up with their email </a:t>
+              <a:t>2. Users can sign up with their email address</a:t>
             </a:r>
           </a:p>
           <a:p>
@@ -3531,7 +3678,15 @@
           <a:p>
             <a:pPr algn="ctr"/>
             <a:r>
-              <a:rPr lang="en-SG" sz="5400" b="1" dirty="0"/>
+              <a:rPr lang="en-SG" sz="5400" b="1" dirty="0">
+                <a:effectLst>
+                  <a:outerShdw blurRad="38100" dist="38100" dir="2700000" algn="tl">
+                    <a:srgbClr val="000000">
+                      <a:alpha val="43137"/>
+                    </a:srgbClr>
+                  </a:outerShdw>
+                </a:effectLst>
+              </a:rPr>
               <a:t>App Features</a:t>
             </a:r>
           </a:p>
@@ -3546,7 +3701,7 @@
         <p:spPr>
           <a:xfrm>
             <a:off x="634438" y="1088020"/>
-            <a:ext cx="8102279" cy="2862322"/>
+            <a:ext cx="8102279" cy="3354765"/>
           </a:xfrm>
           <a:prstGeom prst="rect">
             <a:avLst/>
@@ -3560,18 +3715,26 @@
           <a:lstStyle/>
           <a:p>
             <a:r>
-              <a:rPr lang="en-SG" dirty="0"/>
-              <a:t>1.Built in </a:t>
-            </a:r>
-            <a:r>
-              <a:rPr lang="en-SG" dirty="0" err="1"/>
-              <a:t>Express.Js</a:t>
-            </a:r>
-            <a:endParaRPr lang="en-SG" dirty="0"/>
-          </a:p>
-          <a:p>
-            <a:r>
-              <a:rPr lang="en-SG" dirty="0"/>
+              <a:rPr lang="en-SG" sz="1600" dirty="0"/>
+              <a:t>1.Built using Express.js </a:t>
+            </a:r>
+            <a:r>
+              <a:rPr lang="en-SG" sz="1600" dirty="0" err="1"/>
+              <a:t>i.e</a:t>
+            </a:r>
+            <a:r>
+              <a:rPr lang="en-SG" sz="1600" dirty="0"/>
+              <a:t> </a:t>
+            </a:r>
+            <a:r>
+              <a:rPr lang="en-SG" sz="1600" dirty="0"/>
+              <a:t>Sinatra inspired web development framework for node.js.</a:t>
+            </a:r>
+            <a:endParaRPr lang="en-SG" sz="1600" dirty="0"/>
+          </a:p>
+          <a:p>
+            <a:r>
+              <a:rPr lang="en-SG" sz="1600" dirty="0"/>
               <a:t>2.NPM- Node Package Manager</a:t>
             </a:r>
           </a:p>
@@ -3581,13 +3744,13 @@
               <a:buChar char="•"/>
             </a:pPr>
             <a:r>
-              <a:rPr lang="en-SG" dirty="0"/>
-              <a:t>Contains various packages needed to run an app built in express</a:t>
-            </a:r>
-          </a:p>
-          <a:p>
-            <a:r>
-              <a:rPr lang="en-SG" dirty="0"/>
+              <a:rPr lang="en-SG" sz="1600" dirty="0"/>
+              <a:t>Package manager. Installs, publishes and manages node programs.</a:t>
+            </a:r>
+          </a:p>
+          <a:p>
+            <a:r>
+              <a:rPr lang="en-SG" sz="1600" dirty="0"/>
               <a:t>3.MongoDB</a:t>
             </a:r>
           </a:p>
@@ -3597,37 +3760,56 @@
               <a:buChar char="•"/>
             </a:pPr>
             <a:r>
-              <a:rPr lang="en-SG" dirty="0"/>
-              <a:t>This is where user details </a:t>
-            </a:r>
-            <a:r>
-              <a:rPr lang="en-SG" dirty="0" err="1"/>
+              <a:rPr lang="en-SG" sz="1600" dirty="0"/>
+              <a:t>This is the back-end server user details </a:t>
+            </a:r>
+            <a:r>
+              <a:rPr lang="en-SG" sz="1600" dirty="0" err="1"/>
               <a:t>i.e</a:t>
             </a:r>
             <a:r>
-              <a:rPr lang="en-SG" dirty="0"/>
+              <a:rPr lang="en-SG" sz="1600" dirty="0"/>
               <a:t> passwords ,articles and comments are stored as objects</a:t>
             </a:r>
           </a:p>
           <a:p>
             <a:r>
-              <a:rPr lang="en-SG" dirty="0"/>
+              <a:rPr lang="en-SG" sz="1600" dirty="0"/>
               <a:t>4.Uses </a:t>
             </a:r>
             <a:r>
-              <a:rPr lang="en-SG" dirty="0" err="1"/>
-              <a:t>Mongoose.Js</a:t>
-            </a:r>
-            <a:r>
-              <a:rPr lang="en-SG" dirty="0"/>
-              <a:t> to transfer objects to MongoDB</a:t>
-            </a:r>
-          </a:p>
-          <a:p>
-            <a:r>
-              <a:rPr lang="en-SG" dirty="0"/>
-              <a:t>5.Hosted on Heroku</a:t>
-            </a:r>
+              <a:rPr lang="en-SG" sz="1600" dirty="0" err="1"/>
+              <a:t>mongoose.Js</a:t>
+            </a:r>
+            <a:r>
+              <a:rPr lang="en-SG" sz="1600" dirty="0"/>
+              <a:t> to model  node.js data as objects to MongoDB</a:t>
+            </a:r>
+          </a:p>
+          <a:p>
+            <a:r>
+              <a:rPr lang="en-SG" sz="1600" dirty="0"/>
+              <a:t>5.Hosted on Heroku….</a:t>
+            </a:r>
+            <a:r>
+              <a:rPr lang="en-SG" sz="1600" dirty="0"/>
+              <a:t> Platform-as-a-Service that enables developers to build, run, and operate applications entirely in the cloud.</a:t>
+            </a:r>
+          </a:p>
+          <a:p>
+            <a:r>
+              <a:rPr lang="en-SG" sz="1600" dirty="0"/>
+              <a:t>6.Uses </a:t>
+            </a:r>
+            <a:r>
+              <a:rPr lang="en-SG" sz="1600" dirty="0" err="1"/>
+              <a:t>Create,Read,Update,Delete</a:t>
+            </a:r>
+            <a:r>
+              <a:rPr lang="en-SG" sz="1600" dirty="0"/>
+              <a:t>(CRUD) framework to ensure new comments &amp; posts can be created, found, updated and deleted.</a:t>
+            </a:r>
+            <a:endParaRPr lang="en-SG" sz="1600" dirty="0"/>
           </a:p>
           <a:p>
             <a:endParaRPr lang="en-SG" dirty="0"/>
@@ -3653,13 +3835,13 @@
               </a:ext>
             </a:extLst>
           </a:blip>
-          <a:srcRect l="23399" r="11777" b="63797"/>
+          <a:srcRect l="23399" t="2806" r="11777" b="64960"/>
           <a:stretch/>
         </p:blipFill>
         <p:spPr>
           <a:xfrm>
-            <a:off x="1250306" y="3420319"/>
-            <a:ext cx="5752377" cy="3061503"/>
+            <a:off x="891250" y="3958542"/>
+            <a:ext cx="7239965" cy="2725838"/>
           </a:xfrm>
           <a:prstGeom prst="rect">
             <a:avLst/>
@@ -3735,7 +3917,15 @@
           <a:p>
             <a:pPr algn="ctr"/>
             <a:r>
-              <a:rPr lang="en-SG" sz="5400" b="1" dirty="0"/>
+              <a:rPr lang="en-SG" sz="5400" b="1" dirty="0">
+                <a:effectLst>
+                  <a:outerShdw blurRad="38100" dist="38100" dir="2700000" algn="tl">
+                    <a:srgbClr val="000000">
+                      <a:alpha val="43137"/>
+                    </a:srgbClr>
+                  </a:outerShdw>
+                </a:effectLst>
+              </a:rPr>
               <a:t>Code Planning</a:t>
             </a:r>
           </a:p>
@@ -3768,19 +3958,19 @@
               <a:buAutoNum type="arabicPeriod"/>
             </a:pPr>
             <a:r>
-              <a:rPr lang="en-SG" sz="2400" dirty="0"/>
+              <a:rPr lang="en-SG" sz="2000" dirty="0"/>
               <a:t>User signs up </a:t>
             </a:r>
           </a:p>
           <a:p>
             <a:r>
-              <a:rPr lang="en-SG" sz="2400" dirty="0"/>
+              <a:rPr lang="en-SG" sz="2000" dirty="0"/>
               <a:t>If user has an existing account, he can log in via the login page</a:t>
             </a:r>
           </a:p>
           <a:p>
             <a:r>
-              <a:rPr lang="en-SG" sz="2400" dirty="0"/>
+              <a:rPr lang="en-SG" sz="2000" dirty="0"/>
               <a:t>In both cases , he is redirected to the main page</a:t>
             </a:r>
           </a:p>
@@ -3789,33 +3979,33 @@
               <a:buNone/>
             </a:pPr>
             <a:r>
-              <a:rPr lang="en-SG" sz="2400" dirty="0"/>
+              <a:rPr lang="en-SG" sz="2000" dirty="0"/>
               <a:t>2.  User creates a post</a:t>
             </a:r>
           </a:p>
           <a:p>
             <a:r>
-              <a:rPr lang="en-SG" sz="2400" dirty="0"/>
+              <a:rPr lang="en-SG" sz="2000" dirty="0"/>
               <a:t> routed to a form where he title’s and writes his post</a:t>
             </a:r>
           </a:p>
           <a:p>
             <a:r>
-              <a:rPr lang="en-SG" sz="2400" dirty="0"/>
+              <a:rPr lang="en-SG" sz="2000" dirty="0"/>
               <a:t>User submits post. Post is stored on </a:t>
             </a:r>
             <a:r>
-              <a:rPr lang="en-SG" sz="2400" dirty="0" err="1"/>
+              <a:rPr lang="en-SG" sz="2000" dirty="0" err="1"/>
               <a:t>mongoDB</a:t>
             </a:r>
             <a:r>
-              <a:rPr lang="en-SG" sz="2400" dirty="0"/>
+              <a:rPr lang="en-SG" sz="2000" dirty="0"/>
               <a:t> as an object</a:t>
             </a:r>
           </a:p>
           <a:p>
             <a:r>
-              <a:rPr lang="en-SG" sz="2400" dirty="0"/>
+              <a:rPr lang="en-SG" sz="2000" dirty="0"/>
               <a:t>User redirected to main page</a:t>
             </a:r>
           </a:p>
@@ -3824,7 +4014,7 @@
               <a:buAutoNum type="arabicPeriod" startAt="3"/>
             </a:pPr>
             <a:r>
-              <a:rPr lang="en-SG" sz="2400" dirty="0"/>
+              <a:rPr lang="en-SG" sz="2000" dirty="0"/>
               <a:t>User views post</a:t>
             </a:r>
           </a:p>
@@ -3833,7 +4023,7 @@
               <a:buAutoNum type="arabicPeriod" startAt="3"/>
             </a:pPr>
             <a:r>
-              <a:rPr lang="en-SG" sz="2400" dirty="0"/>
+              <a:rPr lang="en-SG" sz="2000" dirty="0"/>
               <a:t>User edits or deletes post </a:t>
             </a:r>
           </a:p>
@@ -3842,7 +4032,7 @@
               <a:buAutoNum type="arabicPeriod" startAt="3"/>
             </a:pPr>
             <a:r>
-              <a:rPr lang="en-SG" sz="2400" dirty="0"/>
+              <a:rPr lang="en-SG" sz="2000" dirty="0"/>
               <a:t>User comments on post</a:t>
             </a:r>
           </a:p>
@@ -3851,7 +4041,7 @@
               <a:buAutoNum type="arabicPeriod" startAt="3"/>
             </a:pPr>
             <a:r>
-              <a:rPr lang="en-SG" sz="2400" dirty="0"/>
+              <a:rPr lang="en-SG" sz="2000" dirty="0"/>
               <a:t>User deletes post</a:t>
             </a:r>
           </a:p>
@@ -3860,7 +4050,7 @@
               <a:buAutoNum type="arabicPeriod" startAt="3"/>
             </a:pPr>
             <a:r>
-              <a:rPr lang="en-SG" sz="2400" dirty="0"/>
+              <a:rPr lang="en-SG" sz="2000" dirty="0"/>
               <a:t>User logs out</a:t>
             </a:r>
           </a:p>
@@ -3869,11 +4059,11 @@
               <a:buAutoNum type="arabicPeriod" startAt="3"/>
             </a:pPr>
             <a:r>
-              <a:rPr lang="en-SG" sz="2400" dirty="0" err="1"/>
+              <a:rPr lang="en-SG" sz="2000" dirty="0" err="1"/>
               <a:t>Passerby</a:t>
             </a:r>
             <a:r>
-              <a:rPr lang="en-SG" sz="2400" dirty="0"/>
+              <a:rPr lang="en-SG" sz="2000" dirty="0"/>
               <a:t> netizens leave comments on users’ posts</a:t>
             </a:r>
           </a:p>
@@ -3916,6 +4106,293 @@
             <a:spLocks noGrp="1"/>
           </p:cNvSpPr>
           <p:nvPr>
+            <p:ph type="title"/>
+          </p:nvPr>
+        </p:nvSpPr>
+        <p:spPr>
+          <a:xfrm>
+            <a:off x="1326748" y="208870"/>
+            <a:ext cx="6393566" cy="873363"/>
+          </a:xfrm>
+        </p:spPr>
+        <p:txBody>
+          <a:bodyPr>
+            <a:normAutofit/>
+          </a:bodyPr>
+          <a:lstStyle/>
+          <a:p>
+            <a:r>
+              <a:rPr lang="en-SG" sz="5400" b="1" dirty="0">
+                <a:effectLst>
+                  <a:outerShdw blurRad="38100" dist="38100" dir="2700000" algn="tl">
+                    <a:srgbClr val="000000">
+                      <a:alpha val="43137"/>
+                    </a:srgbClr>
+                  </a:outerShdw>
+                </a:effectLst>
+              </a:rPr>
+              <a:t>Files &amp; Their Purposes</a:t>
+            </a:r>
+          </a:p>
+        </p:txBody>
+      </p:sp>
+      <p:sp>
+        <p:nvSpPr>
+          <p:cNvPr id="3" name="Content Placeholder 2"/>
+          <p:cNvSpPr>
+            <a:spLocks noGrp="1"/>
+          </p:cNvSpPr>
+          <p:nvPr>
+            <p:ph idx="1"/>
+          </p:nvPr>
+        </p:nvSpPr>
+        <p:spPr>
+          <a:xfrm>
+            <a:off x="364603" y="1082233"/>
+            <a:ext cx="8437944" cy="5544273"/>
+          </a:xfrm>
+        </p:spPr>
+        <p:txBody>
+          <a:bodyPr>
+            <a:normAutofit fontScale="70000" lnSpcReduction="20000"/>
+          </a:bodyPr>
+          <a:lstStyle/>
+          <a:p>
+            <a:pPr marL="0" indent="0">
+              <a:buNone/>
+            </a:pPr>
+            <a:r>
+              <a:rPr lang="en-SG" dirty="0"/>
+              <a:t>- app</a:t>
+            </a:r>
+          </a:p>
+          <a:p>
+            <a:pPr marL="0" indent="0">
+              <a:buNone/>
+            </a:pPr>
+            <a:r>
+              <a:rPr lang="en-SG" dirty="0"/>
+              <a:t>    ------ models</a:t>
+            </a:r>
+          </a:p>
+          <a:p>
+            <a:pPr marL="0" indent="0">
+              <a:buNone/>
+            </a:pPr>
+            <a:r>
+              <a:rPr lang="en-SG" dirty="0"/>
+              <a:t>    ---------- user.js  &lt;!-- our user model --&gt;</a:t>
+            </a:r>
+          </a:p>
+          <a:p>
+            <a:pPr marL="0" indent="0">
+              <a:buNone/>
+            </a:pPr>
+            <a:r>
+              <a:rPr lang="en-SG" dirty="0"/>
+              <a:t>    ------ routes.js    &lt;!-- all the routes for our application --&gt;</a:t>
+            </a:r>
+          </a:p>
+          <a:p>
+            <a:pPr marL="0" indent="0">
+              <a:buNone/>
+            </a:pPr>
+            <a:r>
+              <a:rPr lang="en-SG" dirty="0"/>
+              <a:t>    - config</a:t>
+            </a:r>
+          </a:p>
+          <a:p>
+            <a:pPr marL="0" indent="0">
+              <a:buNone/>
+            </a:pPr>
+            <a:r>
+              <a:rPr lang="en-SG" dirty="0"/>
+              <a:t>    ------ auth.js      &lt;!-- will hold all our client secret keys (</a:t>
+            </a:r>
+            <a:r>
+              <a:rPr lang="en-SG" dirty="0" err="1"/>
+              <a:t>facebook</a:t>
+            </a:r>
+            <a:r>
+              <a:rPr lang="en-SG" dirty="0"/>
+              <a:t>, twitter, google) --&gt;</a:t>
+            </a:r>
+          </a:p>
+          <a:p>
+            <a:pPr marL="0" indent="0">
+              <a:buNone/>
+            </a:pPr>
+            <a:r>
+              <a:rPr lang="en-SG" dirty="0"/>
+              <a:t>    ------ database.js  &lt;!-- will hold our database connection settings --&gt;</a:t>
+            </a:r>
+          </a:p>
+          <a:p>
+            <a:pPr marL="0" indent="0">
+              <a:buNone/>
+            </a:pPr>
+            <a:r>
+              <a:rPr lang="en-SG" dirty="0"/>
+              <a:t>    ------ passport.js  &lt;!-- configuring the strategies for passport --&gt;</a:t>
+            </a:r>
+          </a:p>
+          <a:p>
+            <a:pPr marL="0" indent="0">
+              <a:buNone/>
+            </a:pPr>
+            <a:r>
+              <a:rPr lang="en-SG" dirty="0"/>
+              <a:t>    - views</a:t>
+            </a:r>
+          </a:p>
+          <a:p>
+            <a:pPr marL="0" indent="0">
+              <a:buNone/>
+            </a:pPr>
+            <a:r>
+              <a:rPr lang="en-SG" dirty="0"/>
+              <a:t>    ------ </a:t>
+            </a:r>
+            <a:r>
+              <a:rPr lang="en-SG" dirty="0" err="1"/>
+              <a:t>index.ejs</a:t>
+            </a:r>
+            <a:r>
+              <a:rPr lang="en-SG" dirty="0"/>
+              <a:t>    &lt;!-- show where posts/comments are rendered--&gt;</a:t>
+            </a:r>
+          </a:p>
+          <a:p>
+            <a:pPr marL="0" indent="0">
+              <a:buNone/>
+            </a:pPr>
+            <a:r>
+              <a:rPr lang="en-SG" dirty="0"/>
+              <a:t>    ------ </a:t>
+            </a:r>
+            <a:r>
+              <a:rPr lang="en-SG" dirty="0" err="1"/>
+              <a:t>login.ejs</a:t>
+            </a:r>
+            <a:r>
+              <a:rPr lang="en-SG" dirty="0"/>
+              <a:t>    &lt;!-- show our login form --&gt;</a:t>
+            </a:r>
+          </a:p>
+          <a:p>
+            <a:pPr marL="0" indent="0">
+              <a:buNone/>
+            </a:pPr>
+            <a:r>
+              <a:rPr lang="en-SG" dirty="0"/>
+              <a:t>    ------ </a:t>
+            </a:r>
+            <a:r>
+              <a:rPr lang="en-SG" dirty="0" err="1"/>
+              <a:t>signup.ejs</a:t>
+            </a:r>
+            <a:r>
+              <a:rPr lang="en-SG" dirty="0"/>
+              <a:t>   &lt;!-- show our signup form --&gt;</a:t>
+            </a:r>
+          </a:p>
+          <a:p>
+            <a:pPr marL="0" indent="0">
+              <a:buNone/>
+            </a:pPr>
+            <a:r>
+              <a:rPr lang="en-SG" dirty="0"/>
+              <a:t>    ------ </a:t>
+            </a:r>
+            <a:r>
+              <a:rPr lang="en-SG" dirty="0" err="1"/>
+              <a:t>articles.ejs</a:t>
+            </a:r>
+            <a:r>
+              <a:rPr lang="en-SG" dirty="0"/>
+              <a:t>  &lt;!-- after a user logs in, they will see their posts --&gt;</a:t>
+            </a:r>
+          </a:p>
+          <a:p>
+            <a:pPr marL="0" indent="0">
+              <a:buNone/>
+            </a:pPr>
+            <a:r>
+              <a:rPr lang="en-SG" dirty="0"/>
+              <a:t>    - </a:t>
+            </a:r>
+            <a:r>
+              <a:rPr lang="en-SG" dirty="0" err="1"/>
+              <a:t>package.json</a:t>
+            </a:r>
+            <a:r>
+              <a:rPr lang="en-SG" dirty="0"/>
+              <a:t>      &lt;!-- handle our </a:t>
+            </a:r>
+            <a:r>
+              <a:rPr lang="en-SG" dirty="0" err="1"/>
+              <a:t>npm</a:t>
+            </a:r>
+            <a:r>
+              <a:rPr lang="en-SG" dirty="0"/>
+              <a:t> packages --&gt;</a:t>
+            </a:r>
+          </a:p>
+          <a:p>
+            <a:pPr marL="0" indent="0">
+              <a:buNone/>
+            </a:pPr>
+            <a:r>
+              <a:rPr lang="en-SG" dirty="0"/>
+              <a:t>    - app.js         &lt;!-- setup our application --&gt;</a:t>
+            </a:r>
+          </a:p>
+          <a:p>
+            <a:pPr marL="0" indent="0">
+              <a:buNone/>
+            </a:pPr>
+            <a:endParaRPr lang="en-SG" dirty="0"/>
+          </a:p>
+        </p:txBody>
+      </p:sp>
+    </p:spTree>
+    <p:extLst>
+      <p:ext uri="{BB962C8B-B14F-4D97-AF65-F5344CB8AC3E}">
+        <p14:creationId xmlns:p14="http://schemas.microsoft.com/office/powerpoint/2010/main" val="2335599925"/>
+      </p:ext>
+    </p:extLst>
+  </p:cSld>
+  <p:clrMapOvr>
+    <a:masterClrMapping/>
+  </p:clrMapOvr>
+</p:sld>
+</file>
+
+<file path=ppt/slides/slide7.xml><?xml version="1.0" encoding="utf-8"?>
+<p:sld xmlns:a="http://schemas.openxmlformats.org/drawingml/2006/main" xmlns:r="http://schemas.openxmlformats.org/officeDocument/2006/relationships" xmlns:p="http://schemas.openxmlformats.org/presentationml/2006/main">
+  <p:cSld>
+    <p:spTree>
+      <p:nvGrpSpPr>
+        <p:cNvPr id="1" name=""/>
+        <p:cNvGrpSpPr/>
+        <p:nvPr/>
+      </p:nvGrpSpPr>
+      <p:grpSpPr>
+        <a:xfrm>
+          <a:off x="0" y="0"/>
+          <a:ext cx="0" cy="0"/>
+          <a:chOff x="0" y="0"/>
+          <a:chExt cx="0" cy="0"/>
+        </a:xfrm>
+      </p:grpSpPr>
+      <p:sp>
+        <p:nvSpPr>
+          <p:cNvPr id="2" name="Title 1"/>
+          <p:cNvSpPr>
+            <a:spLocks noGrp="1"/>
+          </p:cNvSpPr>
+          <p:nvPr>
             <p:ph type="ctrTitle"/>
           </p:nvPr>
         </p:nvSpPr>
@@ -3932,7 +4409,15 @@
           <a:lstStyle/>
           <a:p>
             <a:r>
-              <a:rPr lang="en-SG" b="1" dirty="0"/>
+              <a:rPr lang="en-SG" b="1" dirty="0">
+                <a:effectLst>
+                  <a:outerShdw blurRad="38100" dist="38100" dir="2700000" algn="tl">
+                    <a:srgbClr val="000000">
+                      <a:alpha val="43137"/>
+                    </a:srgbClr>
+                  </a:outerShdw>
+                </a:effectLst>
+              </a:rPr>
               <a:t>ERD</a:t>
             </a:r>
           </a:p>
@@ -3959,8 +4444,8 @@
         </p:blipFill>
         <p:spPr>
           <a:xfrm>
-            <a:off x="729206" y="1053298"/>
-            <a:ext cx="7668228" cy="5509547"/>
+            <a:off x="376517" y="1053298"/>
+            <a:ext cx="8552329" cy="5509547"/>
           </a:xfrm>
           <a:prstGeom prst="rect">
             <a:avLst/>
@@ -3980,14 +4465,14 @@
 </p:sld>
 </file>
 
-<file path=ppt/slides/slide7.xml><?xml version="1.0" encoding="utf-8"?>
+<file path=ppt/slides/slide8.xml><?xml version="1.0" encoding="utf-8"?>
 <p:sld xmlns:a="http://schemas.openxmlformats.org/drawingml/2006/main" xmlns:r="http://schemas.openxmlformats.org/officeDocument/2006/relationships" xmlns:p="http://schemas.openxmlformats.org/presentationml/2006/main">
   <p:cSld>
     <p:bg>
       <p:bgPr>
         <a:blipFill dpi="0" rotWithShape="1">
           <a:blip r:embed="rId2">
-            <a:alphaModFix amt="95000"/>
+            <a:alphaModFix amt="60000"/>
             <a:lum/>
           </a:blip>
           <a:srcRect/>
@@ -4029,12 +4514,22 @@
           </a:xfrm>
         </p:spPr>
         <p:txBody>
-          <a:bodyPr/>
+          <a:bodyPr>
+            <a:noAutofit/>
+          </a:bodyPr>
           <a:lstStyle/>
           <a:p>
             <a:pPr algn="ctr"/>
             <a:r>
-              <a:rPr lang="en-SG" dirty="0"/>
+              <a:rPr lang="en-SG" sz="5400" b="1" dirty="0">
+                <a:effectLst>
+                  <a:outerShdw blurRad="38100" dist="38100" dir="2700000" algn="tl">
+                    <a:srgbClr val="000000">
+                      <a:alpha val="43137"/>
+                    </a:srgbClr>
+                  </a:outerShdw>
+                </a:effectLst>
+              </a:rPr>
               <a:t>Difficulties Faced</a:t>
             </a:r>
           </a:p>
@@ -4052,8 +4547,8 @@
         </p:nvSpPr>
         <p:spPr>
           <a:xfrm>
-            <a:off x="1033764" y="1053296"/>
-            <a:ext cx="7886700" cy="4351338"/>
+            <a:off x="549799" y="1053296"/>
+            <a:ext cx="7899720" cy="5411165"/>
           </a:xfrm>
         </p:spPr>
         <p:txBody>
@@ -4064,7 +4559,7 @@
               <a:buAutoNum type="arabicPeriod"/>
             </a:pPr>
             <a:r>
-              <a:rPr lang="en-SG" dirty="0"/>
+              <a:rPr lang="en-SG" sz="3200" dirty="0"/>
               <a:t>Many bugs encountered</a:t>
             </a:r>
           </a:p>
@@ -4073,7 +4568,7 @@
               <a:buAutoNum type="arabicPeriod"/>
             </a:pPr>
             <a:r>
-              <a:rPr lang="en-SG" dirty="0"/>
+              <a:rPr lang="en-SG" sz="3200" dirty="0"/>
               <a:t>Built code first before testing functionality</a:t>
             </a:r>
           </a:p>
@@ -4082,7 +4577,7 @@
               <a:buAutoNum type="arabicPeriod"/>
             </a:pPr>
             <a:r>
-              <a:rPr lang="en-SG" dirty="0"/>
+              <a:rPr lang="en-SG" sz="3200" dirty="0"/>
               <a:t>Late Nights</a:t>
             </a:r>
           </a:p>
@@ -4091,17 +4586,26 @@
               <a:buAutoNum type="arabicPeriod"/>
             </a:pPr>
             <a:r>
-              <a:rPr lang="en-SG" dirty="0"/>
+              <a:rPr lang="en-SG" sz="3200" dirty="0"/>
               <a:t>Editing Comments</a:t>
             </a:r>
           </a:p>
           <a:p>
+            <a:pPr marL="514338" indent="-514338">
+              <a:buAutoNum type="arabicPeriod"/>
+            </a:pPr>
+            <a:r>
+              <a:rPr lang="en-SG" sz="3200" dirty="0"/>
+              <a:t>Delete functionality and API not completed</a:t>
+            </a:r>
+          </a:p>
+          <a:p>
             <a:pPr marL="0" indent="0">
               <a:buNone/>
             </a:pPr>
             <a:r>
-              <a:rPr lang="en-SG" dirty="0"/>
-              <a:t>5.   Ensuring good styling</a:t>
+              <a:rPr lang="en-SG" sz="3200" dirty="0"/>
+              <a:t>6.Ensuring good styling</a:t>
             </a:r>
           </a:p>
           <a:p>
@@ -4109,8 +4613,17 @@
               <a:buNone/>
             </a:pPr>
             <a:r>
-              <a:rPr lang="en-SG" dirty="0"/>
-              <a:t>6.   Panic attacks</a:t>
+              <a:rPr lang="en-SG" sz="3200" dirty="0"/>
+              <a:t>7.Panic attacks</a:t>
+            </a:r>
+          </a:p>
+          <a:p>
+            <a:pPr marL="0" indent="0">
+              <a:buNone/>
+            </a:pPr>
+            <a:r>
+              <a:rPr lang="en-SG" sz="3200" dirty="0"/>
+              <a:t>8.Not all express apps are alike</a:t>
             </a:r>
           </a:p>
           <a:p>
@@ -4146,7 +4659,7 @@
 </p:sld>
 </file>
 
-<file path=ppt/slides/slide8.xml><?xml version="1.0" encoding="utf-8"?>
+<file path=ppt/slides/slide9.xml><?xml version="1.0" encoding="utf-8"?>
 <p:sld xmlns:a="http://schemas.openxmlformats.org/drawingml/2006/main" xmlns:r="http://schemas.openxmlformats.org/officeDocument/2006/relationships" xmlns:p="http://schemas.openxmlformats.org/presentationml/2006/main">
   <p:cSld>
     <p:bg>
@@ -4194,13 +4707,21 @@
         </p:spPr>
         <p:txBody>
           <a:bodyPr>
-            <a:normAutofit fontScale="90000"/>
+            <a:noAutofit/>
           </a:bodyPr>
           <a:lstStyle/>
           <a:p>
             <a:pPr algn="ctr"/>
             <a:r>
-              <a:rPr lang="en-SG" sz="5400" b="1" dirty="0"/>
+              <a:rPr lang="en-SG" sz="5400" b="1" dirty="0">
+                <a:effectLst>
+                  <a:outerShdw blurRad="38100" dist="38100" dir="2700000" algn="tl">
+                    <a:srgbClr val="000000">
+                      <a:alpha val="43137"/>
+                    </a:srgbClr>
+                  </a:outerShdw>
+                </a:effectLst>
+              </a:rPr>
               <a:t>References &amp;&amp; Credits</a:t>
             </a:r>
           </a:p>
@@ -4313,108 +4834,6 @@
     <p:extLst>
       <p:ext uri="{BB962C8B-B14F-4D97-AF65-F5344CB8AC3E}">
         <p14:creationId xmlns:p14="http://schemas.microsoft.com/office/powerpoint/2010/main" val="3181354761"/>
-      </p:ext>
-    </p:extLst>
-  </p:cSld>
-  <p:clrMapOvr>
-    <a:masterClrMapping/>
-  </p:clrMapOvr>
-</p:sld>
-</file>
-
-<file path=ppt/slides/slide9.xml><?xml version="1.0" encoding="utf-8"?>
-<p:sld xmlns:a="http://schemas.openxmlformats.org/drawingml/2006/main" xmlns:r="http://schemas.openxmlformats.org/officeDocument/2006/relationships" xmlns:p="http://schemas.openxmlformats.org/presentationml/2006/main">
-  <p:cSld>
-    <p:bg>
-      <p:bgPr>
-        <a:blipFill dpi="0" rotWithShape="1">
-          <a:blip r:embed="rId2">
-            <a:alphaModFix amt="58000"/>
-            <a:lum/>
-          </a:blip>
-          <a:srcRect/>
-          <a:stretch>
-            <a:fillRect t="-6000" b="-6000"/>
-          </a:stretch>
-        </a:blipFill>
-        <a:effectLst/>
-      </p:bgPr>
-    </p:bg>
-    <p:spTree>
-      <p:nvGrpSpPr>
-        <p:cNvPr id="1" name=""/>
-        <p:cNvGrpSpPr/>
-        <p:nvPr/>
-      </p:nvGrpSpPr>
-      <p:grpSpPr>
-        <a:xfrm>
-          <a:off x="0" y="0"/>
-          <a:ext cx="0" cy="0"/>
-          <a:chOff x="0" y="0"/>
-          <a:chExt cx="0" cy="0"/>
-        </a:xfrm>
-      </p:grpSpPr>
-      <p:sp>
-        <p:nvSpPr>
-          <p:cNvPr id="3" name="Content Placeholder 2"/>
-          <p:cNvSpPr>
-            <a:spLocks noGrp="1"/>
-          </p:cNvSpPr>
-          <p:nvPr>
-            <p:ph idx="1"/>
-          </p:nvPr>
-        </p:nvSpPr>
-        <p:spPr>
-          <a:xfrm>
-            <a:off x="744397" y="708668"/>
-            <a:ext cx="7886700" cy="5043949"/>
-          </a:xfrm>
-        </p:spPr>
-        <p:txBody>
-          <a:bodyPr/>
-          <a:lstStyle/>
-          <a:p>
-            <a:pPr marL="0" indent="0">
-              <a:buNone/>
-            </a:pPr>
-            <a:endParaRPr lang="en-SG" dirty="0"/>
-          </a:p>
-          <a:p>
-            <a:pPr marL="0" indent="0">
-              <a:buNone/>
-            </a:pPr>
-            <a:endParaRPr lang="en-SG" dirty="0"/>
-          </a:p>
-          <a:p>
-            <a:pPr marL="0" indent="0">
-              <a:buNone/>
-            </a:pPr>
-            <a:endParaRPr lang="en-SG" dirty="0"/>
-          </a:p>
-          <a:p>
-            <a:pPr marL="0" indent="0" algn="ctr">
-              <a:buNone/>
-            </a:pPr>
-            <a:r>
-              <a:rPr lang="en-SG" sz="5400" dirty="0"/>
-              <a:t>THANK YOU</a:t>
-            </a:r>
-          </a:p>
-          <a:p>
-            <a:pPr marL="0" indent="0" algn="ctr">
-              <a:buNone/>
-            </a:pPr>
-            <a:r>
-              <a:rPr lang="en-SG" sz="5400" dirty="0"/>
-              <a:t>&amp; HAVE A GREAT WEEKEND</a:t>
-            </a:r>
-          </a:p>
-        </p:txBody>
-      </p:sp>
-    </p:spTree>
-    <p:extLst>
-      <p:ext uri="{BB962C8B-B14F-4D97-AF65-F5344CB8AC3E}">
-        <p14:creationId xmlns:p14="http://schemas.microsoft.com/office/powerpoint/2010/main" val="2267052792"/>
       </p:ext>
     </p:extLst>
   </p:cSld>
